--- a/Learning/Orientation/2401023김상준_혼공머신_DNN.pptx
+++ b/Learning/Orientation/2401023김상준_혼공머신_DNN.pptx
@@ -220,7 +220,7 @@
           <a:p>
             <a:fld id="{29644C3C-92BC-409D-B0CF-47E356C0AB2E}" type="datetimeFigureOut">
               <a:rPr lang="ko-KR" altLang="en-US" smtClean="0"/>
-              <a:t>2024-11-29</a:t>
+              <a:t>2024-12-02</a:t>
             </a:fld>
             <a:endParaRPr lang="ko-KR" altLang="en-US"/>
           </a:p>
@@ -808,7 +808,7 @@
           <a:p>
             <a:fld id="{7EA3A0FF-5ACA-104E-A279-B597C94677DC}" type="datetime1">
               <a:rPr lang="ko-KR" altLang="en-US" smtClean="0"/>
-              <a:t>2024-11-29</a:t>
+              <a:t>2024-12-02</a:t>
             </a:fld>
             <a:endParaRPr lang="ko-KR" altLang="en-US"/>
           </a:p>
@@ -980,7 +980,7 @@
           <a:p>
             <a:fld id="{5F1A4B3A-7A4E-4A4A-A9CB-F75FB6E08DA7}" type="datetime1">
               <a:rPr lang="ko-KR" altLang="en-US" smtClean="0"/>
-              <a:t>2024-11-29</a:t>
+              <a:t>2024-12-02</a:t>
             </a:fld>
             <a:endParaRPr lang="ko-KR" altLang="en-US"/>
           </a:p>
@@ -1162,7 +1162,7 @@
           <a:p>
             <a:fld id="{B4149D5C-815C-BE4B-8BCE-42B637C79EA9}" type="datetime1">
               <a:rPr lang="ko-KR" altLang="en-US" smtClean="0"/>
-              <a:t>2024-11-29</a:t>
+              <a:t>2024-12-02</a:t>
             </a:fld>
             <a:endParaRPr lang="ko-KR" altLang="en-US"/>
           </a:p>
@@ -1334,7 +1334,7 @@
           <a:p>
             <a:fld id="{8EBDB123-FA13-2440-A91F-A9C55831513F}" type="datetime1">
               <a:rPr lang="ko-KR" altLang="en-US" smtClean="0"/>
-              <a:t>2024-11-29</a:t>
+              <a:t>2024-12-02</a:t>
             </a:fld>
             <a:endParaRPr lang="ko-KR" altLang="en-US"/>
           </a:p>
@@ -1583,7 +1583,7 @@
           <a:p>
             <a:fld id="{A2652E98-B5D3-F742-8B5B-5D24B915FFF0}" type="datetime1">
               <a:rPr lang="ko-KR" altLang="en-US" smtClean="0"/>
-              <a:t>2024-11-29</a:t>
+              <a:t>2024-12-02</a:t>
             </a:fld>
             <a:endParaRPr lang="ko-KR" altLang="en-US"/>
           </a:p>
@@ -1816,7 +1816,7 @@
           <a:p>
             <a:fld id="{32ABD2CC-1A70-5848-A079-7132F4FDF709}" type="datetime1">
               <a:rPr lang="ko-KR" altLang="en-US" smtClean="0"/>
-              <a:t>2024-11-29</a:t>
+              <a:t>2024-12-02</a:t>
             </a:fld>
             <a:endParaRPr lang="ko-KR" altLang="en-US"/>
           </a:p>
@@ -2184,7 +2184,7 @@
           <a:p>
             <a:fld id="{D1C7FEDD-1C02-3740-A2A3-B14DF055C91A}" type="datetime1">
               <a:rPr lang="ko-KR" altLang="en-US" smtClean="0"/>
-              <a:t>2024-11-29</a:t>
+              <a:t>2024-12-02</a:t>
             </a:fld>
             <a:endParaRPr lang="ko-KR" altLang="en-US"/>
           </a:p>
@@ -2305,7 +2305,7 @@
           <a:p>
             <a:fld id="{4C22C514-FDA5-A346-A2E6-12A99AF0D963}" type="datetime1">
               <a:rPr lang="ko-KR" altLang="en-US" smtClean="0"/>
-              <a:t>2024-11-29</a:t>
+              <a:t>2024-12-02</a:t>
             </a:fld>
             <a:endParaRPr lang="ko-KR" altLang="en-US"/>
           </a:p>
@@ -2404,7 +2404,7 @@
           <a:p>
             <a:fld id="{23C1751F-F5BE-AD46-991C-92ECD1180EC2}" type="datetime1">
               <a:rPr lang="ko-KR" altLang="en-US" smtClean="0"/>
-              <a:t>2024-11-29</a:t>
+              <a:t>2024-12-02</a:t>
             </a:fld>
             <a:endParaRPr lang="ko-KR" altLang="en-US"/>
           </a:p>
@@ -2683,7 +2683,7 @@
           <a:p>
             <a:fld id="{254C0237-AD9C-D04C-BAC6-0FD96A3D2F26}" type="datetime1">
               <a:rPr lang="ko-KR" altLang="en-US" smtClean="0"/>
-              <a:t>2024-11-29</a:t>
+              <a:t>2024-12-02</a:t>
             </a:fld>
             <a:endParaRPr lang="ko-KR" altLang="en-US"/>
           </a:p>
@@ -2939,7 +2939,7 @@
           <a:p>
             <a:fld id="{7C7CC91C-C3AF-DE45-BF11-80BC6DE6C9CB}" type="datetime1">
               <a:rPr lang="ko-KR" altLang="en-US" smtClean="0"/>
-              <a:t>2024-11-29</a:t>
+              <a:t>2024-12-02</a:t>
             </a:fld>
             <a:endParaRPr lang="ko-KR" altLang="en-US"/>
           </a:p>
@@ -3154,7 +3154,7 @@
           <a:p>
             <a:fld id="{500D6207-E39F-C840-87D2-72FD3FB8E8EE}" type="datetime1">
               <a:rPr lang="ko-KR" altLang="en-US" smtClean="0"/>
-              <a:t>2024-11-29</a:t>
+              <a:t>2024-12-02</a:t>
             </a:fld>
             <a:endParaRPr lang="ko-KR" altLang="en-US"/>
           </a:p>
